--- a/07.algoritmo_seudocodigo_diagramas.pptx
+++ b/07.algoritmo_seudocodigo_diagramas.pptx
@@ -111,6 +111,13 @@
       <p:regular r:id="rId88"/>
       <p:bold r:id="rId89"/>
       <p:boldItalic r:id="rId90"/>
+    </p:embeddedFont>
+    <p:embeddedFont>
+      <p:font typeface="Roboto" panose="02000000000000000000" pitchFamily="2" charset="0"/>
+      <p:regular r:id="rId91"/>
+      <p:bold r:id="rId92"/>
+      <p:italic r:id="rId93"/>
+      <p:boldItalic r:id="rId94"/>
     </p:embeddedFont>
   </p:embeddedFontLst>
   <p:defaultTextStyle>
@@ -353,7 +360,7 @@
 <file path=ppt/revisionInfo.xml><?xml version="1.0" encoding="utf-8"?>
 <p1510:revInfo xmlns:a="http://schemas.openxmlformats.org/drawingml/2006/main" xmlns:r="http://schemas.openxmlformats.org/officeDocument/2006/relationships" xmlns:p1510="http://schemas.microsoft.com/office/powerpoint/2015/10/main">
   <p1510:revLst>
-    <p1510:client id="{EFDFA54E-0EDE-4668-B5B9-14BA2E1FFC33}" v="6" dt="2023-08-30T17:55:04.887"/>
+    <p1510:client id="{F6061591-449D-4E28-9574-43F18EEF5B4A}" v="1" dt="2023-09-06T03:12:29.991"/>
   </p1510:revLst>
 </p1510:revInfo>
 </file>
@@ -7864,30 +7871,6 @@
     </pc:docChg>
   </pc:docChgLst>
   <pc:docChgLst>
-    <pc:chgData name="NORBEY DANILO MUNOZ" userId="4f3b204e-21be-4902-8153-a8f65e124dd8" providerId="ADAL" clId="{EFDFA54E-0EDE-4668-B5B9-14BA2E1FFC33}"/>
-    <pc:docChg chg="modSld">
-      <pc:chgData name="NORBEY DANILO MUNOZ" userId="4f3b204e-21be-4902-8153-a8f65e124dd8" providerId="ADAL" clId="{EFDFA54E-0EDE-4668-B5B9-14BA2E1FFC33}" dt="2023-08-29T15:30:42.978" v="14" actId="20577"/>
-      <pc:docMkLst>
-        <pc:docMk/>
-      </pc:docMkLst>
-      <pc:sldChg chg="modSp mod">
-        <pc:chgData name="NORBEY DANILO MUNOZ" userId="4f3b204e-21be-4902-8153-a8f65e124dd8" providerId="ADAL" clId="{EFDFA54E-0EDE-4668-B5B9-14BA2E1FFC33}" dt="2023-08-29T15:30:42.978" v="14" actId="20577"/>
-        <pc:sldMkLst>
-          <pc:docMk/>
-          <pc:sldMk cId="0" sldId="256"/>
-        </pc:sldMkLst>
-        <pc:spChg chg="mod">
-          <ac:chgData name="NORBEY DANILO MUNOZ" userId="4f3b204e-21be-4902-8153-a8f65e124dd8" providerId="ADAL" clId="{EFDFA54E-0EDE-4668-B5B9-14BA2E1FFC33}" dt="2023-08-29T15:30:42.978" v="14" actId="20577"/>
-          <ac:spMkLst>
-            <pc:docMk/>
-            <pc:sldMk cId="0" sldId="256"/>
-            <ac:spMk id="186" creationId="{00000000-0000-0000-0000-000000000000}"/>
-          </ac:spMkLst>
-        </pc:spChg>
-      </pc:sldChg>
-    </pc:docChg>
-  </pc:docChgLst>
-  <pc:docChgLst>
     <pc:chgData name="NORBEY DANILO" userId="29f64d73-8b12-4c53-a9f3-1c223397a229" providerId="ADAL" clId="{EFDFA54E-0EDE-4668-B5B9-14BA2E1FFC33}"/>
     <pc:docChg chg="undo custSel addSld delSld modSld sldOrd">
       <pc:chgData name="NORBEY DANILO" userId="29f64d73-8b12-4c53-a9f3-1c223397a229" providerId="ADAL" clId="{EFDFA54E-0EDE-4668-B5B9-14BA2E1FFC33}" dt="2023-03-07T16:22:58.626" v="1592" actId="729"/>
@@ -9318,6 +9301,30 @@
     </pc:docChg>
   </pc:docChgLst>
   <pc:docChgLst>
+    <pc:chgData name="NORBEY DANILO MUNOZ" userId="4f3b204e-21be-4902-8153-a8f65e124dd8" providerId="ADAL" clId="{EFDFA54E-0EDE-4668-B5B9-14BA2E1FFC33}"/>
+    <pc:docChg chg="modSld">
+      <pc:chgData name="NORBEY DANILO MUNOZ" userId="4f3b204e-21be-4902-8153-a8f65e124dd8" providerId="ADAL" clId="{EFDFA54E-0EDE-4668-B5B9-14BA2E1FFC33}" dt="2023-08-29T15:30:42.978" v="14" actId="20577"/>
+      <pc:docMkLst>
+        <pc:docMk/>
+      </pc:docMkLst>
+      <pc:sldChg chg="modSp mod">
+        <pc:chgData name="NORBEY DANILO MUNOZ" userId="4f3b204e-21be-4902-8153-a8f65e124dd8" providerId="ADAL" clId="{EFDFA54E-0EDE-4668-B5B9-14BA2E1FFC33}" dt="2023-08-29T15:30:42.978" v="14" actId="20577"/>
+        <pc:sldMkLst>
+          <pc:docMk/>
+          <pc:sldMk cId="0" sldId="256"/>
+        </pc:sldMkLst>
+        <pc:spChg chg="mod">
+          <ac:chgData name="NORBEY DANILO MUNOZ" userId="4f3b204e-21be-4902-8153-a8f65e124dd8" providerId="ADAL" clId="{EFDFA54E-0EDE-4668-B5B9-14BA2E1FFC33}" dt="2023-08-29T15:30:42.978" v="14" actId="20577"/>
+          <ac:spMkLst>
+            <pc:docMk/>
+            <pc:sldMk cId="0" sldId="256"/>
+            <ac:spMk id="186" creationId="{00000000-0000-0000-0000-000000000000}"/>
+          </ac:spMkLst>
+        </pc:spChg>
+      </pc:sldChg>
+    </pc:docChg>
+  </pc:docChgLst>
+  <pc:docChgLst>
     <pc:chgData name="NORVEY DANILO MUÑOZ" userId="S::ndmunoz@itc.edu.co::6c920eed-56a1-4dd6-94e7-28cd095909bd" providerId="AD" clId="Web-{A72A7B14-11BF-DAE9-34F8-F5C0B38513C6}"/>
     <pc:docChg chg="modSld">
       <pc:chgData name="NORVEY DANILO MUÑOZ" userId="S::ndmunoz@itc.edu.co::6c920eed-56a1-4dd6-94e7-28cd095909bd" providerId="AD" clId="Web-{A72A7B14-11BF-DAE9-34F8-F5C0B38513C6}" dt="2023-02-08T22:22:41.507" v="0" actId="14100"/>
@@ -9338,6 +9345,30 @@
             <ac:picMk id="4" creationId="{0853F64C-BF6C-06D4-B308-DF60BF583CA9}"/>
           </ac:picMkLst>
         </pc:picChg>
+      </pc:sldChg>
+    </pc:docChg>
+  </pc:docChgLst>
+  <pc:docChgLst>
+    <pc:chgData name="NORBEY DANILO MUÑOZ CAÑON" userId="29f64d73-8b12-4c53-a9f3-1c223397a229" providerId="ADAL" clId="{F6061591-449D-4E28-9574-43F18EEF5B4A}"/>
+    <pc:docChg chg="modSld">
+      <pc:chgData name="NORBEY DANILO MUÑOZ CAÑON" userId="29f64d73-8b12-4c53-a9f3-1c223397a229" providerId="ADAL" clId="{F6061591-449D-4E28-9574-43F18EEF5B4A}" dt="2023-09-06T03:21:04.200" v="86" actId="20577"/>
+      <pc:docMkLst>
+        <pc:docMk/>
+      </pc:docMkLst>
+      <pc:sldChg chg="addSp modSp mod modNotesTx">
+        <pc:chgData name="NORBEY DANILO MUÑOZ CAÑON" userId="29f64d73-8b12-4c53-a9f3-1c223397a229" providerId="ADAL" clId="{F6061591-449D-4E28-9574-43F18EEF5B4A}" dt="2023-09-06T03:21:04.200" v="86" actId="20577"/>
+        <pc:sldMkLst>
+          <pc:docMk/>
+          <pc:sldMk cId="1640251976" sldId="371"/>
+        </pc:sldMkLst>
+        <pc:spChg chg="add mod">
+          <ac:chgData name="NORBEY DANILO MUÑOZ CAÑON" userId="29f64d73-8b12-4c53-a9f3-1c223397a229" providerId="ADAL" clId="{F6061591-449D-4E28-9574-43F18EEF5B4A}" dt="2023-09-06T03:12:56.422" v="32" actId="1076"/>
+          <ac:spMkLst>
+            <pc:docMk/>
+            <pc:sldMk cId="1640251976" sldId="371"/>
+            <ac:spMk id="2" creationId="{BF4CFEE2-2830-7913-8642-159E7DB4EB66}"/>
+          </ac:spMkLst>
+        </pc:spChg>
       </pc:sldChg>
     </pc:docChg>
   </pc:docChgLst>
@@ -12344,7 +12375,83 @@
               </a:spcAft>
               <a:buNone/>
             </a:pPr>
-            <a:endParaRPr/>
+            <a:r>
+              <a:rPr lang="en-US" dirty="0" err="1"/>
+              <a:t>Tiempo</a:t>
+            </a:r>
+            <a:r>
+              <a:rPr lang="en-US" dirty="0"/>
+              <a:t> de </a:t>
+            </a:r>
+            <a:r>
+              <a:rPr lang="en-US" dirty="0" err="1"/>
+              <a:t>compilación</a:t>
+            </a:r>
+            <a:r>
+              <a:rPr lang="en-US" dirty="0"/>
+              <a:t>: </a:t>
+            </a:r>
+            <a:r>
+              <a:rPr lang="es-ES" b="0" i="0" dirty="0">
+                <a:solidFill>
+                  <a:srgbClr val="000000"/>
+                </a:solidFill>
+                <a:effectLst/>
+                <a:latin typeface="Roboto" panose="02000000000000000000" pitchFamily="2" charset="0"/>
+              </a:rPr>
+              <a:t>involucra la traducción de un lenguaje que los humanos comprenden, o código fuente, al lenguaje que las computadoras entienden, o código máquina. El código fuente contiene palabras, números en formato decimal y agrupaciones organizativas que hacen que el flujo de instrucciones sea más sencillo de comprender. La etapa del tiempo de compilación termina cuando el nuevo programa es un archivo ejecutable.</a:t>
+            </a:r>
+            <a:endParaRPr lang="en-US" dirty="0"/>
+          </a:p>
+          <a:p>
+            <a:pPr marL="0" lvl="0" indent="0" algn="l" rtl="0">
+              <a:spcBef>
+                <a:spcPts val="0"/>
+              </a:spcBef>
+              <a:spcAft>
+                <a:spcPts val="0"/>
+              </a:spcAft>
+              <a:buNone/>
+            </a:pPr>
+            <a:endParaRPr lang="en-US" dirty="0"/>
+          </a:p>
+          <a:p>
+            <a:pPr marL="0" lvl="0" indent="0" algn="l" rtl="0">
+              <a:spcBef>
+                <a:spcPts val="0"/>
+              </a:spcBef>
+              <a:spcAft>
+                <a:spcPts val="0"/>
+              </a:spcAft>
+              <a:buNone/>
+            </a:pPr>
+            <a:r>
+              <a:rPr lang="en-US" dirty="0" err="1"/>
+              <a:t>Tiempo</a:t>
+            </a:r>
+            <a:r>
+              <a:rPr lang="en-US" dirty="0"/>
+              <a:t> de </a:t>
+            </a:r>
+            <a:r>
+              <a:rPr lang="en-US" dirty="0" err="1"/>
+              <a:t>ejecución</a:t>
+            </a:r>
+            <a:r>
+              <a:rPr lang="en-US" dirty="0"/>
+              <a:t>: </a:t>
+            </a:r>
+            <a:r>
+              <a:rPr lang="es-ES" b="0" i="0" dirty="0">
+                <a:solidFill>
+                  <a:srgbClr val="000000"/>
+                </a:solidFill>
+                <a:effectLst/>
+                <a:latin typeface="Roboto" panose="02000000000000000000" pitchFamily="2" charset="0"/>
+              </a:rPr>
+              <a:t>la computadora usa las instrucciones que el tiempo de compilación produce para ejecutar el programa. Durante el tiempo de ejecución la computadora lee la traducción del código fuente para llevar a cabo las tareas que el programador ha incorporado en el código. Cada vez que alguien ejecuta el programa lo hace en tiempo de ejecución.</a:t>
+            </a:r>
+            <a:endParaRPr dirty="0"/>
           </a:p>
         </p:txBody>
       </p:sp>
@@ -29584,6 +29691,43 @@
           </a:extLst>
         </p:spPr>
       </p:pic>
+      <p:sp>
+        <p:nvSpPr>
+          <p:cNvPr id="2" name="CuadroTexto 1">
+            <a:extLst>
+              <a:ext uri="{FF2B5EF4-FFF2-40B4-BE49-F238E27FC236}">
+                <a16:creationId xmlns:a16="http://schemas.microsoft.com/office/drawing/2014/main" id="{BF4CFEE2-2830-7913-8642-159E7DB4EB66}"/>
+              </a:ext>
+            </a:extLst>
+          </p:cNvPr>
+          <p:cNvSpPr txBox="1"/>
+          <p:nvPr/>
+        </p:nvSpPr>
+        <p:spPr>
+          <a:xfrm>
+            <a:off x="5589489" y="3387478"/>
+            <a:ext cx="2073003" cy="276999"/>
+          </a:xfrm>
+          <a:prstGeom prst="rect">
+            <a:avLst/>
+          </a:prstGeom>
+          <a:noFill/>
+        </p:spPr>
+        <p:txBody>
+          <a:bodyPr wrap="none" rtlCol="0">
+            <a:spAutoFit/>
+          </a:bodyPr>
+          <a:lstStyle/>
+          <a:p>
+            <a:r>
+              <a:rPr lang="es-CO" sz="1200" dirty="0">
+                <a:latin typeface="Montserrat" panose="00000500000000000000" pitchFamily="2" charset="0"/>
+              </a:rPr>
+              <a:t>Compilación y ejecución</a:t>
+            </a:r>
+          </a:p>
+        </p:txBody>
+      </p:sp>
     </p:spTree>
     <p:extLst>
       <p:ext uri="{BB962C8B-B14F-4D97-AF65-F5344CB8AC3E}">
